--- a/Usedvehiclespricepredictor.pptx
+++ b/Usedvehiclespricepredictor.pptx
@@ -948,7 +948,7 @@
             <a:pPr rtl="0"/>
             <a:fld id="{3DDCF792-443A-4FD0-A3DA-4FCF2F6D7B8C}" type="datetime1">
               <a:rPr lang="en-GB" smtClean="0"/>
-              <a:t>16/02/2023</a:t>
+              <a:t>18/02/2023</a:t>
             </a:fld>
             <a:endParaRPr lang="en-GB"/>
           </a:p>
@@ -1130,7 +1130,7 @@
             <a:pPr rtl="0"/>
             <a:fld id="{DB43CD2B-A33A-4AAA-A84D-C16DCF3ADE3E}" type="datetime1">
               <a:rPr lang="en-GB" noProof="0" smtClean="0"/>
-              <a:t>16/02/2023</a:t>
+              <a:t>18/02/2023</a:t>
             </a:fld>
             <a:endParaRPr lang="en-GB" noProof="0"/>
           </a:p>
@@ -2061,7 +2061,7 @@
             <a:pPr rtl="0"/>
             <a:fld id="{0FFC8AD5-C329-496E-BCF2-0809D6F0CB50}" type="datetime1">
               <a:rPr lang="en-GB" noProof="0" smtClean="0"/>
-              <a:t>16/02/2023</a:t>
+              <a:t>18/02/2023</a:t>
             </a:fld>
             <a:endParaRPr lang="en-GB" noProof="0"/>
           </a:p>
@@ -2399,7 +2399,7 @@
             <a:pPr rtl="0"/>
             <a:fld id="{F1C00C0C-C787-4DA0-BB15-BE1D54FC3869}" type="datetime1">
               <a:rPr lang="en-GB" noProof="0" smtClean="0"/>
-              <a:t>16/02/2023</a:t>
+              <a:t>18/02/2023</a:t>
             </a:fld>
             <a:endParaRPr lang="en-GB" noProof="0"/>
           </a:p>
@@ -2681,7 +2681,7 @@
             <a:pPr rtl="0"/>
             <a:fld id="{33DDE387-76E6-446C-B829-0E8C0B174171}" type="datetime1">
               <a:rPr lang="en-GB" noProof="0" smtClean="0"/>
-              <a:t>16/02/2023</a:t>
+              <a:t>18/02/2023</a:t>
             </a:fld>
             <a:endParaRPr lang="en-GB" noProof="0"/>
           </a:p>
@@ -3253,7 +3253,7 @@
             <a:pPr rtl="0"/>
             <a:fld id="{837AB58A-57FF-4885-9B0C-FF8F5F32457E}" type="datetime1">
               <a:rPr lang="en-GB" noProof="0" smtClean="0"/>
-              <a:t>16/02/2023</a:t>
+              <a:t>18/02/2023</a:t>
             </a:fld>
             <a:endParaRPr lang="en-GB" noProof="0"/>
           </a:p>
@@ -3535,7 +3535,7 @@
             <a:pPr rtl="0"/>
             <a:fld id="{38A785A2-83F3-4CC3-B704-C68E8AAE5F3A}" type="datetime1">
               <a:rPr lang="en-GB" noProof="0" smtClean="0"/>
-              <a:t>16/02/2023</a:t>
+              <a:t>18/02/2023</a:t>
             </a:fld>
             <a:endParaRPr lang="en-GB" noProof="0"/>
           </a:p>
@@ -4101,7 +4101,7 @@
             <a:pPr rtl="0"/>
             <a:fld id="{8D0BED67-9580-4FA4-97B5-A5E195D81A53}" type="datetime1">
               <a:rPr lang="en-GB" noProof="0" smtClean="0"/>
-              <a:t>16/02/2023</a:t>
+              <a:t>18/02/2023</a:t>
             </a:fld>
             <a:endParaRPr lang="en-GB" noProof="0"/>
           </a:p>
@@ -4431,7 +4431,7 @@
             <a:pPr rtl="0"/>
             <a:fld id="{DF395BDA-398D-4375-9019-3BEC1D10FCE9}" type="datetime1">
               <a:rPr lang="en-GB" noProof="0" smtClean="0"/>
-              <a:t>16/02/2023</a:t>
+              <a:t>18/02/2023</a:t>
             </a:fld>
             <a:endParaRPr lang="en-GB" noProof="0"/>
           </a:p>
@@ -4639,7 +4639,7 @@
             <a:pPr rtl="0"/>
             <a:fld id="{B905BF75-B0B2-4A51-B3DF-71D3D1F6D1F8}" type="datetime1">
               <a:rPr lang="en-GB" noProof="0" smtClean="0"/>
-              <a:t>16/02/2023</a:t>
+              <a:t>18/02/2023</a:t>
             </a:fld>
             <a:endParaRPr lang="en-GB" noProof="0"/>
           </a:p>
@@ -4851,7 +4851,7 @@
             <a:pPr rtl="0"/>
             <a:fld id="{E4C1748C-E82D-495B-8EBF-8E1A8947A970}" type="datetime1">
               <a:rPr lang="en-GB" noProof="0" smtClean="0"/>
-              <a:t>16/02/2023</a:t>
+              <a:t>18/02/2023</a:t>
             </a:fld>
             <a:endParaRPr lang="en-GB" noProof="0"/>
           </a:p>
@@ -5053,7 +5053,7 @@
             <a:pPr rtl="0"/>
             <a:fld id="{4E21552F-1D3E-440B-BB48-D8CC39A7FE39}" type="datetime1">
               <a:rPr lang="en-GB" noProof="0" smtClean="0"/>
-              <a:t>16/02/2023</a:t>
+              <a:t>18/02/2023</a:t>
             </a:fld>
             <a:endParaRPr lang="en-GB" noProof="0"/>
           </a:p>
@@ -5332,7 +5332,7 @@
             <a:pPr rtl="0"/>
             <a:fld id="{2D68592E-0D2E-4227-812D-A1AF6778D95B}" type="datetime1">
               <a:rPr lang="en-GB" noProof="0" smtClean="0"/>
-              <a:t>16/02/2023</a:t>
+              <a:t>18/02/2023</a:t>
             </a:fld>
             <a:endParaRPr lang="en-GB" noProof="0"/>
           </a:p>
@@ -5600,7 +5600,7 @@
             <a:pPr rtl="0"/>
             <a:fld id="{092D208F-547B-4225-8D99-14EFAE09E88A}" type="datetime1">
               <a:rPr lang="en-GB" noProof="0" smtClean="0"/>
-              <a:t>16/02/2023</a:t>
+              <a:t>18/02/2023</a:t>
             </a:fld>
             <a:endParaRPr lang="en-GB" noProof="0"/>
           </a:p>
@@ -5975,7 +5975,7 @@
             <a:pPr rtl="0"/>
             <a:fld id="{B5A6E6B8-C81E-44CD-94D7-562E9A9CC48B}" type="datetime1">
               <a:rPr lang="en-GB" noProof="0" smtClean="0"/>
-              <a:t>16/02/2023</a:t>
+              <a:t>18/02/2023</a:t>
             </a:fld>
             <a:endParaRPr lang="en-GB" noProof="0"/>
           </a:p>
@@ -6126,7 +6126,7 @@
             <a:pPr rtl="0"/>
             <a:fld id="{C96D41C0-1FE7-4365-8105-6573436B100F}" type="datetime1">
               <a:rPr lang="en-GB" noProof="0" smtClean="0"/>
-              <a:t>16/02/2023</a:t>
+              <a:t>18/02/2023</a:t>
             </a:fld>
             <a:endParaRPr lang="en-GB" noProof="0"/>
           </a:p>
@@ -6254,7 +6254,7 @@
             <a:pPr rtl="0"/>
             <a:fld id="{C0040549-EBD3-46A8-BBE1-B0D6DAD810D6}" type="datetime1">
               <a:rPr lang="en-GB" noProof="0" smtClean="0"/>
-              <a:t>16/02/2023</a:t>
+              <a:t>18/02/2023</a:t>
             </a:fld>
             <a:endParaRPr lang="en-GB" noProof="0"/>
           </a:p>
@@ -6541,7 +6541,7 @@
             <a:pPr rtl="0"/>
             <a:fld id="{D034A7B0-A803-48EB-B928-17C9778CB737}" type="datetime1">
               <a:rPr lang="en-GB" noProof="0" smtClean="0"/>
-              <a:t>16/02/2023</a:t>
+              <a:t>18/02/2023</a:t>
             </a:fld>
             <a:endParaRPr lang="en-GB" noProof="0"/>
           </a:p>
@@ -6869,7 +6869,7 @@
             <a:pPr rtl="0"/>
             <a:fld id="{A5E0C383-5762-4350-8B0C-BBD7EEB87FEC}" type="datetime1">
               <a:rPr lang="en-GB" noProof="0" smtClean="0"/>
-              <a:t>16/02/2023</a:t>
+              <a:t>18/02/2023</a:t>
             </a:fld>
             <a:endParaRPr lang="en-GB" noProof="0"/>
           </a:p>
@@ -7086,7 +7086,7 @@
             <a:pPr rtl="0"/>
             <a:fld id="{48760432-64E1-492A-A99A-DD20BDEC9669}" type="datetime1">
               <a:rPr lang="en-GB" noProof="0" smtClean="0"/>
-              <a:t>16/02/2023</a:t>
+              <a:t>18/02/2023</a:t>
             </a:fld>
             <a:endParaRPr lang="en-GB" noProof="0"/>
           </a:p>
@@ -7636,7 +7636,7 @@
         </p:blipFill>
         <p:spPr>
           <a:xfrm>
-            <a:off x="20" y="10"/>
+            <a:off x="20" y="8888"/>
             <a:ext cx="12191980" cy="6857990"/>
           </a:xfrm>
           <a:prstGeom prst="rect">
@@ -7789,29 +7789,7 @@
                   </a:schemeClr>
                 </a:solidFill>
               </a:rPr>
-              <a:t>Federico </a:t>
-            </a:r>
-            <a:r>
-              <a:rPr lang="en-GB" dirty="0" err="1">
-                <a:solidFill>
-                  <a:schemeClr val="accent1">
-                    <a:lumMod val="40000"/>
-                    <a:lumOff val="60000"/>
-                  </a:schemeClr>
-                </a:solidFill>
-              </a:rPr>
-              <a:t>frati</a:t>
-            </a:r>
-            <a:r>
-              <a:rPr lang="en-GB" dirty="0">
-                <a:solidFill>
-                  <a:schemeClr val="accent1">
-                    <a:lumMod val="40000"/>
-                    <a:lumOff val="60000"/>
-                  </a:schemeClr>
-                </a:solidFill>
-              </a:rPr>
-              <a:t> - 596237</a:t>
+              <a:t>Federico Frati - 596237</a:t>
             </a:r>
           </a:p>
         </p:txBody>
@@ -17179,36 +17157,6 @@
           </a:p>
         </p:txBody>
       </p:sp>
-      <p:pic>
-        <p:nvPicPr>
-          <p:cNvPr id="3" name="Immagine 8" descr="Immagine che contiene tavolo&#10;&#10;Descrizione generata automaticamente">
-            <a:extLst>
-              <a:ext uri="{FF2B5EF4-FFF2-40B4-BE49-F238E27FC236}">
-                <a16:creationId xmlns:a16="http://schemas.microsoft.com/office/drawing/2014/main" id="{3B3E9B40-CA5F-4955-4350-8A93BF930434}"/>
-              </a:ext>
-            </a:extLst>
-          </p:cNvPr>
-          <p:cNvPicPr>
-            <a:picLocks noChangeAspect="1"/>
-          </p:cNvPicPr>
-          <p:nvPr/>
-        </p:nvPicPr>
-        <p:blipFill>
-          <a:blip r:embed="rId2"/>
-          <a:stretch>
-            <a:fillRect/>
-          </a:stretch>
-        </p:blipFill>
-        <p:spPr>
-          <a:xfrm>
-            <a:off x="6431280" y="1922986"/>
-            <a:ext cx="5561066" cy="2850250"/>
-          </a:xfrm>
-          <a:prstGeom prst="rect">
-            <a:avLst/>
-          </a:prstGeom>
-        </p:spPr>
-      </p:pic>
       <p:sp>
         <p:nvSpPr>
           <p:cNvPr id="4" name="TextBox 3">
@@ -17367,7 +17315,7 @@
             </a:pPr>
             <a:r>
               <a:rPr lang="it-IT" sz="2000" dirty="0"/>
-              <a:t>XXXXXX </a:t>
+              <a:t>1 326 489 </a:t>
             </a:r>
             <a:r>
               <a:rPr lang="it-IT" sz="2000" dirty="0" err="1"/>
@@ -17380,6 +17328,36 @@
           </a:p>
         </p:txBody>
       </p:sp>
+      <p:pic>
+        <p:nvPicPr>
+          <p:cNvPr id="3" name="Immagine 8" descr="Immagine che contiene tavolo&#10;&#10;Descrizione generata automaticamente">
+            <a:extLst>
+              <a:ext uri="{FF2B5EF4-FFF2-40B4-BE49-F238E27FC236}">
+                <a16:creationId xmlns:a16="http://schemas.microsoft.com/office/drawing/2014/main" id="{3B3E9B40-CA5F-4955-4350-8A93BF930434}"/>
+              </a:ext>
+            </a:extLst>
+          </p:cNvPr>
+          <p:cNvPicPr>
+            <a:picLocks noChangeAspect="1"/>
+          </p:cNvPicPr>
+          <p:nvPr/>
+        </p:nvPicPr>
+        <p:blipFill>
+          <a:blip r:embed="rId2"/>
+          <a:stretch>
+            <a:fillRect/>
+          </a:stretch>
+        </p:blipFill>
+        <p:spPr>
+          <a:xfrm>
+            <a:off x="0" y="254987"/>
+            <a:ext cx="12192000" cy="6248847"/>
+          </a:xfrm>
+          <a:prstGeom prst="rect">
+            <a:avLst/>
+          </a:prstGeom>
+        </p:spPr>
+      </p:pic>
     </p:spTree>
     <p:extLst>
       <p:ext uri="{BB962C8B-B14F-4D97-AF65-F5344CB8AC3E}">
@@ -21337,15 +21315,6 @@
 </file>
 
 <file path=customXml/item1.xml><?xml version="1.0" encoding="utf-8"?>
-<p:properties xmlns:p="http://schemas.microsoft.com/office/2006/metadata/properties" xmlns:xsi="http://www.w3.org/2001/XMLSchema-instance" xmlns:pc="http://schemas.microsoft.com/office/infopath/2007/PartnerControls">
-  <documentManagement>
-    <Status xmlns="71af3243-3dd4-4a8d-8c0d-dd76da1f02a5">Not started</Status>
-    <MediaServiceKeyPoints xmlns="71af3243-3dd4-4a8d-8c0d-dd76da1f02a5" xsi:nil="true"/>
-  </documentManagement>
-</p:properties>
-</file>
-
-<file path=customXml/item2.xml><?xml version="1.0" encoding="utf-8"?>
 <ct:contentTypeSchema xmlns:ct="http://schemas.microsoft.com/office/2006/metadata/contentType" xmlns:ma="http://schemas.microsoft.com/office/2006/metadata/properties/metaAttributes" ct:_="" ma:_="" ma:contentTypeName="Document" ma:contentTypeID="0x01010079F111ED35F8CC479449609E8A0923A6" ma:contentTypeVersion="12" ma:contentTypeDescription="Create a new document." ma:contentTypeScope="" ma:versionID="93813dd7ca6ad654711aa0ab317e03a3">
   <xsd:schema xmlns:xsd="http://www.w3.org/2001/XMLSchema" xmlns:xs="http://www.w3.org/2001/XMLSchema" xmlns:p="http://schemas.microsoft.com/office/2006/metadata/properties" xmlns:ns2="71af3243-3dd4-4a8d-8c0d-dd76da1f02a5" xmlns:ns3="16c05727-aa75-4e4a-9b5f-8a80a1165891" targetNamespace="http://schemas.microsoft.com/office/2006/metadata/properties" ma:root="true" ma:fieldsID="f11dc0ce689dd3925e84e4e35398c6e7" ns2:_="" ns3:_="">
     <xsd:import namespace="71af3243-3dd4-4a8d-8c0d-dd76da1f02a5"/>
@@ -21566,6 +21535,15 @@
 </ct:contentTypeSchema>
 </file>
 
+<file path=customXml/item2.xml><?xml version="1.0" encoding="utf-8"?>
+<p:properties xmlns:p="http://schemas.microsoft.com/office/2006/metadata/properties" xmlns:xsi="http://www.w3.org/2001/XMLSchema-instance" xmlns:pc="http://schemas.microsoft.com/office/infopath/2007/PartnerControls">
+  <documentManagement>
+    <Status xmlns="71af3243-3dd4-4a8d-8c0d-dd76da1f02a5">Not started</Status>
+    <MediaServiceKeyPoints xmlns="71af3243-3dd4-4a8d-8c0d-dd76da1f02a5" xsi:nil="true"/>
+  </documentManagement>
+</p:properties>
+</file>
+
 <file path=customXml/item3.xml><?xml version="1.0" encoding="utf-8"?>
 <?mso-contentType ?>
 <FormTemplates xmlns="http://schemas.microsoft.com/sharepoint/v3/contenttype/forms">
@@ -21576,16 +21554,6 @@
 </file>
 
 <file path=customXml/itemProps1.xml><?xml version="1.0" encoding="utf-8"?>
-<ds:datastoreItem xmlns:ds="http://schemas.openxmlformats.org/officeDocument/2006/customXml" ds:itemID="{1F08B90B-70ED-4539-9C14-FB2728D9064F}">
-  <ds:schemaRefs>
-    <ds:schemaRef ds:uri="http://schemas.microsoft.com/office/2006/metadata/properties"/>
-    <ds:schemaRef ds:uri="http://schemas.microsoft.com/office/infopath/2007/PartnerControls"/>
-    <ds:schemaRef ds:uri="71af3243-3dd4-4a8d-8c0d-dd76da1f02a5"/>
-  </ds:schemaRefs>
-</ds:datastoreItem>
-</file>
-
-<file path=customXml/itemProps2.xml><?xml version="1.0" encoding="utf-8"?>
 <ds:datastoreItem xmlns:ds="http://schemas.openxmlformats.org/officeDocument/2006/customXml" ds:itemID="{9E8D3305-1D9D-4BC8-A40F-6F8AE50BD76B}">
   <ds:schemaRefs>
     <ds:schemaRef ds:uri="http://schemas.microsoft.com/office/2006/metadata/contentType"/>
@@ -21604,6 +21572,16 @@
 </ds:datastoreItem>
 </file>
 
+<file path=customXml/itemProps2.xml><?xml version="1.0" encoding="utf-8"?>
+<ds:datastoreItem xmlns:ds="http://schemas.openxmlformats.org/officeDocument/2006/customXml" ds:itemID="{1F08B90B-70ED-4539-9C14-FB2728D9064F}">
+  <ds:schemaRefs>
+    <ds:schemaRef ds:uri="http://schemas.microsoft.com/office/2006/metadata/properties"/>
+    <ds:schemaRef ds:uri="http://schemas.microsoft.com/office/infopath/2007/PartnerControls"/>
+    <ds:schemaRef ds:uri="71af3243-3dd4-4a8d-8c0d-dd76da1f02a5"/>
+  </ds:schemaRefs>
+</ds:datastoreItem>
+</file>
+
 <file path=customXml/itemProps3.xml><?xml version="1.0" encoding="utf-8"?>
 <ds:datastoreItem xmlns:ds="http://schemas.openxmlformats.org/officeDocument/2006/customXml" ds:itemID="{A0D51BCB-0419-432E-B7F1-25548446A625}">
   <ds:schemaRefs>
